--- a/Presentation.pptx
+++ b/Presentation.pptx
@@ -6,6 +6,11 @@
   </p:sldMasterIdLst>
   <p:sldIdLst>
     <p:sldId id="256" r:id="rId2"/>
+    <p:sldId id="257" r:id="rId3"/>
+    <p:sldId id="258" r:id="rId4"/>
+    <p:sldId id="259" r:id="rId5"/>
+    <p:sldId id="260" r:id="rId6"/>
+    <p:sldId id="261" r:id="rId7"/>
   </p:sldIdLst>
   <p:sldSz cx="12192000" cy="6858000"/>
   <p:notesSz cx="6858000" cy="9144000"/>
@@ -12414,6 +12419,776 @@
 </p:sld>
 </file>
 
+<file path=ppt/slides/slide2.xml><?xml version="1.0" encoding="utf-8"?>
+<p:sld xmlns:a="http://schemas.openxmlformats.org/drawingml/2006/main" xmlns:r="http://schemas.openxmlformats.org/officeDocument/2006/relationships" xmlns:p="http://schemas.openxmlformats.org/presentationml/2006/main">
+  <p:cSld>
+    <p:spTree>
+      <p:nvGrpSpPr>
+        <p:cNvPr id="1" name=""/>
+        <p:cNvGrpSpPr/>
+        <p:nvPr/>
+      </p:nvGrpSpPr>
+      <p:grpSpPr>
+        <a:xfrm>
+          <a:off x="0" y="0"/>
+          <a:ext cx="0" cy="0"/>
+          <a:chOff x="0" y="0"/>
+          <a:chExt cx="0" cy="0"/>
+        </a:xfrm>
+      </p:grpSpPr>
+      <p:sp>
+        <p:nvSpPr>
+          <p:cNvPr id="2" name="Title 1"/>
+          <p:cNvSpPr>
+            <a:spLocks noGrp="1"/>
+          </p:cNvSpPr>
+          <p:nvPr>
+            <p:ph type="title"/>
+          </p:nvPr>
+        </p:nvSpPr>
+        <p:spPr/>
+        <p:txBody>
+          <a:bodyPr/>
+          <a:lstStyle/>
+          <a:p>
+            <a:r>
+              <a:rPr lang="en-US" dirty="0" smtClean="0"/>
+              <a:t>What is an </a:t>
+            </a:r>
+            <a:r>
+              <a:rPr lang="en-US" dirty="0" err="1" smtClean="0"/>
+              <a:t>adhoc</a:t>
+            </a:r>
+            <a:r>
+              <a:rPr lang="en-US" dirty="0" smtClean="0"/>
+              <a:t> network?</a:t>
+            </a:r>
+            <a:endParaRPr lang="en-US" dirty="0"/>
+          </a:p>
+        </p:txBody>
+      </p:sp>
+      <p:sp>
+        <p:nvSpPr>
+          <p:cNvPr id="3" name="Content Placeholder 2"/>
+          <p:cNvSpPr>
+            <a:spLocks noGrp="1"/>
+          </p:cNvSpPr>
+          <p:nvPr>
+            <p:ph idx="1"/>
+          </p:nvPr>
+        </p:nvSpPr>
+        <p:spPr/>
+        <p:txBody>
+          <a:bodyPr/>
+          <a:lstStyle/>
+          <a:p>
+            <a:endParaRPr lang="en-US" dirty="0"/>
+          </a:p>
+        </p:txBody>
+      </p:sp>
+    </p:spTree>
+    <p:extLst>
+      <p:ext uri="{BB962C8B-B14F-4D97-AF65-F5344CB8AC3E}">
+        <p14:creationId xmlns:p14="http://schemas.microsoft.com/office/powerpoint/2010/main" val="1441147199"/>
+      </p:ext>
+    </p:extLst>
+  </p:cSld>
+  <p:clrMapOvr>
+    <a:masterClrMapping/>
+  </p:clrMapOvr>
+</p:sld>
+</file>
+
+<file path=ppt/slides/slide3.xml><?xml version="1.0" encoding="utf-8"?>
+<p:sld xmlns:a="http://schemas.openxmlformats.org/drawingml/2006/main" xmlns:r="http://schemas.openxmlformats.org/officeDocument/2006/relationships" xmlns:p="http://schemas.openxmlformats.org/presentationml/2006/main">
+  <p:cSld>
+    <p:spTree>
+      <p:nvGrpSpPr>
+        <p:cNvPr id="1" name=""/>
+        <p:cNvGrpSpPr/>
+        <p:nvPr/>
+      </p:nvGrpSpPr>
+      <p:grpSpPr>
+        <a:xfrm>
+          <a:off x="0" y="0"/>
+          <a:ext cx="0" cy="0"/>
+          <a:chOff x="0" y="0"/>
+          <a:chExt cx="0" cy="0"/>
+        </a:xfrm>
+      </p:grpSpPr>
+      <p:sp>
+        <p:nvSpPr>
+          <p:cNvPr id="2" name="Title 1"/>
+          <p:cNvSpPr>
+            <a:spLocks noGrp="1"/>
+          </p:cNvSpPr>
+          <p:nvPr>
+            <p:ph type="title"/>
+          </p:nvPr>
+        </p:nvSpPr>
+        <p:spPr/>
+        <p:txBody>
+          <a:bodyPr/>
+          <a:lstStyle/>
+          <a:p>
+            <a:r>
+              <a:rPr lang="en-US" dirty="0" smtClean="0"/>
+              <a:t>What isn’t an </a:t>
+            </a:r>
+            <a:r>
+              <a:rPr lang="en-US" dirty="0" err="1" smtClean="0"/>
+              <a:t>adhoc</a:t>
+            </a:r>
+            <a:r>
+              <a:rPr lang="en-US" dirty="0" smtClean="0"/>
+              <a:t> network</a:t>
+            </a:r>
+            <a:endParaRPr lang="en-US" dirty="0"/>
+          </a:p>
+        </p:txBody>
+      </p:sp>
+      <p:sp>
+        <p:nvSpPr>
+          <p:cNvPr id="3" name="Content Placeholder 2"/>
+          <p:cNvSpPr>
+            <a:spLocks noGrp="1"/>
+          </p:cNvSpPr>
+          <p:nvPr>
+            <p:ph idx="1"/>
+          </p:nvPr>
+        </p:nvSpPr>
+        <p:spPr/>
+        <p:txBody>
+          <a:bodyPr/>
+          <a:lstStyle/>
+          <a:p>
+            <a:r>
+              <a:rPr lang="en-US" dirty="0" smtClean="0"/>
+              <a:t>Google “set up </a:t>
+            </a:r>
+            <a:r>
+              <a:rPr lang="en-US" dirty="0" err="1" smtClean="0"/>
+              <a:t>adhoc</a:t>
+            </a:r>
+            <a:r>
+              <a:rPr lang="en-US" dirty="0" smtClean="0"/>
+              <a:t> network”</a:t>
+            </a:r>
+          </a:p>
+          <a:p>
+            <a:pPr lvl="1"/>
+            <a:r>
+              <a:rPr lang="en-US" dirty="0" smtClean="0"/>
+              <a:t>Most of these results are actually TODO</a:t>
+            </a:r>
+            <a:endParaRPr lang="en-US" dirty="0"/>
+          </a:p>
+        </p:txBody>
+      </p:sp>
+    </p:spTree>
+    <p:extLst>
+      <p:ext uri="{BB962C8B-B14F-4D97-AF65-F5344CB8AC3E}">
+        <p14:creationId xmlns:p14="http://schemas.microsoft.com/office/powerpoint/2010/main" val="2023916198"/>
+      </p:ext>
+    </p:extLst>
+  </p:cSld>
+  <p:clrMapOvr>
+    <a:masterClrMapping/>
+  </p:clrMapOvr>
+</p:sld>
+</file>
+
+<file path=ppt/slides/slide4.xml><?xml version="1.0" encoding="utf-8"?>
+<p:sld xmlns:a="http://schemas.openxmlformats.org/drawingml/2006/main" xmlns:r="http://schemas.openxmlformats.org/officeDocument/2006/relationships" xmlns:p="http://schemas.openxmlformats.org/presentationml/2006/main">
+  <p:cSld>
+    <p:spTree>
+      <p:nvGrpSpPr>
+        <p:cNvPr id="1" name=""/>
+        <p:cNvGrpSpPr/>
+        <p:nvPr/>
+      </p:nvGrpSpPr>
+      <p:grpSpPr>
+        <a:xfrm>
+          <a:off x="0" y="0"/>
+          <a:ext cx="0" cy="0"/>
+          <a:chOff x="0" y="0"/>
+          <a:chExt cx="0" cy="0"/>
+        </a:xfrm>
+      </p:grpSpPr>
+      <p:sp>
+        <p:nvSpPr>
+          <p:cNvPr id="2" name="Title 1"/>
+          <p:cNvSpPr>
+            <a:spLocks noGrp="1"/>
+          </p:cNvSpPr>
+          <p:nvPr>
+            <p:ph type="title"/>
+          </p:nvPr>
+        </p:nvSpPr>
+        <p:spPr/>
+        <p:txBody>
+          <a:bodyPr/>
+          <a:lstStyle/>
+          <a:p>
+            <a:r>
+              <a:rPr lang="en-US" dirty="0" smtClean="0"/>
+              <a:t>How to set up on </a:t>
+            </a:r>
+            <a:r>
+              <a:rPr lang="en-US" dirty="0" err="1" smtClean="0"/>
+              <a:t>linux</a:t>
+            </a:r>
+            <a:endParaRPr lang="en-US" dirty="0"/>
+          </a:p>
+        </p:txBody>
+      </p:sp>
+      <p:sp>
+        <p:nvSpPr>
+          <p:cNvPr id="3" name="Content Placeholder 2"/>
+          <p:cNvSpPr>
+            <a:spLocks noGrp="1"/>
+          </p:cNvSpPr>
+          <p:nvPr>
+            <p:ph idx="1"/>
+          </p:nvPr>
+        </p:nvSpPr>
+        <p:spPr/>
+        <p:txBody>
+          <a:bodyPr/>
+          <a:lstStyle/>
+          <a:p>
+            <a:pPr marL="0" lvl="0" indent="0">
+              <a:lnSpc>
+                <a:spcPct val="100000"/>
+              </a:lnSpc>
+              <a:spcBef>
+                <a:spcPts val="0"/>
+              </a:spcBef>
+              <a:buSzTx/>
+              <a:buNone/>
+            </a:pPr>
+            <a:r>
+              <a:rPr lang="en-US" dirty="0"/>
+              <a:t>read -p "network card: " </a:t>
+            </a:r>
+            <a:r>
+              <a:rPr lang="en-US" dirty="0" smtClean="0"/>
+              <a:t>card</a:t>
+            </a:r>
+          </a:p>
+          <a:p>
+            <a:pPr marL="0" lvl="0" indent="0">
+              <a:lnSpc>
+                <a:spcPct val="100000"/>
+              </a:lnSpc>
+              <a:spcBef>
+                <a:spcPts val="0"/>
+              </a:spcBef>
+              <a:buSzTx/>
+              <a:buNone/>
+            </a:pPr>
+            <a:r>
+              <a:rPr lang="en-US" dirty="0" smtClean="0"/>
+              <a:t>read </a:t>
+            </a:r>
+            <a:r>
+              <a:rPr lang="en-US" dirty="0"/>
+              <a:t>-p "IP address: " </a:t>
+            </a:r>
+            <a:r>
+              <a:rPr lang="en-US" dirty="0" smtClean="0"/>
+              <a:t>address</a:t>
+            </a:r>
+          </a:p>
+          <a:p>
+            <a:pPr marL="0" lvl="0" indent="0">
+              <a:lnSpc>
+                <a:spcPct val="100000"/>
+              </a:lnSpc>
+              <a:spcBef>
+                <a:spcPts val="0"/>
+              </a:spcBef>
+              <a:buSzTx/>
+              <a:buNone/>
+            </a:pPr>
+            <a:r>
+              <a:rPr lang="en-US" dirty="0" err="1" smtClean="0"/>
+              <a:t>sudo</a:t>
+            </a:r>
+            <a:r>
+              <a:rPr lang="en-US" dirty="0" smtClean="0"/>
+              <a:t> </a:t>
+            </a:r>
+            <a:r>
+              <a:rPr lang="en-US" dirty="0"/>
+              <a:t>service network-manager </a:t>
+            </a:r>
+            <a:r>
+              <a:rPr lang="en-US" dirty="0" smtClean="0"/>
+              <a:t>stop</a:t>
+            </a:r>
+          </a:p>
+          <a:p>
+            <a:pPr marL="0" lvl="0" indent="0">
+              <a:lnSpc>
+                <a:spcPct val="100000"/>
+              </a:lnSpc>
+              <a:spcBef>
+                <a:spcPts val="0"/>
+              </a:spcBef>
+              <a:buSzTx/>
+              <a:buNone/>
+            </a:pPr>
+            <a:r>
+              <a:rPr lang="en-US" dirty="0" err="1" smtClean="0"/>
+              <a:t>sudo</a:t>
+            </a:r>
+            <a:r>
+              <a:rPr lang="en-US" dirty="0" smtClean="0"/>
+              <a:t> </a:t>
+            </a:r>
+            <a:r>
+              <a:rPr lang="en-US" dirty="0" err="1"/>
+              <a:t>ifconfig</a:t>
+            </a:r>
+            <a:r>
+              <a:rPr lang="en-US" dirty="0"/>
+              <a:t> $card </a:t>
+            </a:r>
+            <a:r>
+              <a:rPr lang="en-US" dirty="0" smtClean="0"/>
+              <a:t>down</a:t>
+            </a:r>
+          </a:p>
+          <a:p>
+            <a:pPr marL="0" lvl="0" indent="0">
+              <a:lnSpc>
+                <a:spcPct val="100000"/>
+              </a:lnSpc>
+              <a:spcBef>
+                <a:spcPts val="0"/>
+              </a:spcBef>
+              <a:buSzTx/>
+              <a:buNone/>
+            </a:pPr>
+            <a:r>
+              <a:rPr lang="en-US" dirty="0" err="1" smtClean="0"/>
+              <a:t>sudo</a:t>
+            </a:r>
+            <a:r>
+              <a:rPr lang="en-US" dirty="0" smtClean="0"/>
+              <a:t> </a:t>
+            </a:r>
+            <a:r>
+              <a:rPr lang="en-US" dirty="0" err="1"/>
+              <a:t>iwconfig</a:t>
+            </a:r>
+            <a:r>
+              <a:rPr lang="en-US" dirty="0"/>
+              <a:t> $card mode </a:t>
+            </a:r>
+            <a:r>
+              <a:rPr lang="en-US" dirty="0" smtClean="0"/>
+              <a:t>Ad-hoc</a:t>
+            </a:r>
+          </a:p>
+          <a:p>
+            <a:pPr marL="0" lvl="0" indent="0">
+              <a:lnSpc>
+                <a:spcPct val="100000"/>
+              </a:lnSpc>
+              <a:spcBef>
+                <a:spcPts val="0"/>
+              </a:spcBef>
+              <a:buSzTx/>
+              <a:buNone/>
+            </a:pPr>
+            <a:r>
+              <a:rPr lang="en-US" dirty="0" err="1" smtClean="0"/>
+              <a:t>sudo</a:t>
+            </a:r>
+            <a:r>
+              <a:rPr lang="en-US" dirty="0" smtClean="0"/>
+              <a:t> </a:t>
+            </a:r>
+            <a:r>
+              <a:rPr lang="en-US" dirty="0" err="1"/>
+              <a:t>iwconfig</a:t>
+            </a:r>
+            <a:r>
+              <a:rPr lang="en-US" dirty="0"/>
+              <a:t> $card </a:t>
+            </a:r>
+            <a:r>
+              <a:rPr lang="en-US" dirty="0" err="1"/>
+              <a:t>essid</a:t>
+            </a:r>
+            <a:r>
+              <a:rPr lang="en-US" dirty="0"/>
+              <a:t> </a:t>
+            </a:r>
+            <a:r>
+              <a:rPr lang="en-US" dirty="0" err="1" smtClean="0"/>
+              <a:t>MyWifi</a:t>
+            </a:r>
+            <a:endParaRPr lang="en-US" dirty="0" smtClean="0"/>
+          </a:p>
+          <a:p>
+            <a:pPr marL="0" lvl="0" indent="0">
+              <a:lnSpc>
+                <a:spcPct val="100000"/>
+              </a:lnSpc>
+              <a:spcBef>
+                <a:spcPts val="0"/>
+              </a:spcBef>
+              <a:buSzTx/>
+              <a:buNone/>
+            </a:pPr>
+            <a:r>
+              <a:rPr lang="en-US" dirty="0" err="1" smtClean="0"/>
+              <a:t>sudo</a:t>
+            </a:r>
+            <a:r>
+              <a:rPr lang="en-US" dirty="0" smtClean="0"/>
+              <a:t> </a:t>
+            </a:r>
+            <a:r>
+              <a:rPr lang="en-US" dirty="0" err="1"/>
+              <a:t>ifconfig</a:t>
+            </a:r>
+            <a:r>
+              <a:rPr lang="en-US" dirty="0"/>
+              <a:t> $card </a:t>
+            </a:r>
+            <a:r>
+              <a:rPr lang="en-US" dirty="0" smtClean="0"/>
+              <a:t>up</a:t>
+            </a:r>
+          </a:p>
+          <a:p>
+            <a:pPr marL="0" lvl="0" indent="0">
+              <a:lnSpc>
+                <a:spcPct val="100000"/>
+              </a:lnSpc>
+              <a:spcBef>
+                <a:spcPts val="0"/>
+              </a:spcBef>
+              <a:buSzTx/>
+              <a:buNone/>
+            </a:pPr>
+            <a:r>
+              <a:rPr lang="en-US" dirty="0" err="1" smtClean="0"/>
+              <a:t>sudo</a:t>
+            </a:r>
+            <a:r>
+              <a:rPr lang="en-US" dirty="0" smtClean="0"/>
+              <a:t> </a:t>
+            </a:r>
+            <a:r>
+              <a:rPr lang="en-US" dirty="0" err="1"/>
+              <a:t>ifconfig</a:t>
+            </a:r>
+            <a:r>
+              <a:rPr lang="en-US" dirty="0"/>
+              <a:t> $card $address netmask 255.255.255.0</a:t>
+            </a:r>
+          </a:p>
+        </p:txBody>
+      </p:sp>
+    </p:spTree>
+    <p:extLst>
+      <p:ext uri="{BB962C8B-B14F-4D97-AF65-F5344CB8AC3E}">
+        <p14:creationId xmlns:p14="http://schemas.microsoft.com/office/powerpoint/2010/main" val="1662308809"/>
+      </p:ext>
+    </p:extLst>
+  </p:cSld>
+  <p:clrMapOvr>
+    <a:masterClrMapping/>
+  </p:clrMapOvr>
+</p:sld>
+</file>
+
+<file path=ppt/slides/slide5.xml><?xml version="1.0" encoding="utf-8"?>
+<p:sld xmlns:a="http://schemas.openxmlformats.org/drawingml/2006/main" xmlns:r="http://schemas.openxmlformats.org/officeDocument/2006/relationships" xmlns:p="http://schemas.openxmlformats.org/presentationml/2006/main">
+  <p:cSld>
+    <p:spTree>
+      <p:nvGrpSpPr>
+        <p:cNvPr id="1" name=""/>
+        <p:cNvGrpSpPr/>
+        <p:nvPr/>
+      </p:nvGrpSpPr>
+      <p:grpSpPr>
+        <a:xfrm>
+          <a:off x="0" y="0"/>
+          <a:ext cx="0" cy="0"/>
+          <a:chOff x="0" y="0"/>
+          <a:chExt cx="0" cy="0"/>
+        </a:xfrm>
+      </p:grpSpPr>
+      <p:sp>
+        <p:nvSpPr>
+          <p:cNvPr id="2" name="Title 1"/>
+          <p:cNvSpPr>
+            <a:spLocks noGrp="1"/>
+          </p:cNvSpPr>
+          <p:nvPr>
+            <p:ph type="title"/>
+          </p:nvPr>
+        </p:nvSpPr>
+        <p:spPr/>
+        <p:txBody>
+          <a:bodyPr/>
+          <a:lstStyle/>
+          <a:p>
+            <a:endParaRPr lang="en-US"/>
+          </a:p>
+        </p:txBody>
+      </p:sp>
+      <p:sp>
+        <p:nvSpPr>
+          <p:cNvPr id="3" name="Content Placeholder 2"/>
+          <p:cNvSpPr>
+            <a:spLocks noGrp="1"/>
+          </p:cNvSpPr>
+          <p:nvPr>
+            <p:ph idx="1"/>
+          </p:nvPr>
+        </p:nvSpPr>
+        <p:spPr/>
+        <p:txBody>
+          <a:bodyPr/>
+          <a:lstStyle/>
+          <a:p>
+            <a:endParaRPr lang="en-US"/>
+          </a:p>
+        </p:txBody>
+      </p:sp>
+    </p:spTree>
+    <p:extLst>
+      <p:ext uri="{BB962C8B-B14F-4D97-AF65-F5344CB8AC3E}">
+        <p14:creationId xmlns:p14="http://schemas.microsoft.com/office/powerpoint/2010/main" val="1537929114"/>
+      </p:ext>
+    </p:extLst>
+  </p:cSld>
+  <p:clrMapOvr>
+    <a:masterClrMapping/>
+  </p:clrMapOvr>
+</p:sld>
+</file>
+
+<file path=ppt/slides/slide6.xml><?xml version="1.0" encoding="utf-8"?>
+<p:sld xmlns:a="http://schemas.openxmlformats.org/drawingml/2006/main" xmlns:r="http://schemas.openxmlformats.org/officeDocument/2006/relationships" xmlns:p="http://schemas.openxmlformats.org/presentationml/2006/main">
+  <p:cSld>
+    <p:spTree>
+      <p:nvGrpSpPr>
+        <p:cNvPr id="1" name=""/>
+        <p:cNvGrpSpPr/>
+        <p:nvPr/>
+      </p:nvGrpSpPr>
+      <p:grpSpPr>
+        <a:xfrm>
+          <a:off x="0" y="0"/>
+          <a:ext cx="0" cy="0"/>
+          <a:chOff x="0" y="0"/>
+          <a:chExt cx="0" cy="0"/>
+        </a:xfrm>
+      </p:grpSpPr>
+      <p:sp>
+        <p:nvSpPr>
+          <p:cNvPr id="2" name="Title 1"/>
+          <p:cNvSpPr>
+            <a:spLocks noGrp="1"/>
+          </p:cNvSpPr>
+          <p:nvPr>
+            <p:ph type="title"/>
+          </p:nvPr>
+        </p:nvSpPr>
+        <p:spPr/>
+        <p:txBody>
+          <a:bodyPr/>
+          <a:lstStyle/>
+          <a:p>
+            <a:r>
+              <a:rPr lang="en-US" dirty="0" smtClean="0"/>
+              <a:t>Take down</a:t>
+            </a:r>
+            <a:endParaRPr lang="en-US" dirty="0"/>
+          </a:p>
+        </p:txBody>
+      </p:sp>
+      <p:sp>
+        <p:nvSpPr>
+          <p:cNvPr id="3" name="Content Placeholder 2"/>
+          <p:cNvSpPr>
+            <a:spLocks noGrp="1"/>
+          </p:cNvSpPr>
+          <p:nvPr>
+            <p:ph idx="1"/>
+          </p:nvPr>
+        </p:nvSpPr>
+        <p:spPr/>
+        <p:txBody>
+          <a:bodyPr/>
+          <a:lstStyle/>
+          <a:p>
+            <a:pPr marL="0" lvl="0" indent="0">
+              <a:lnSpc>
+                <a:spcPct val="100000"/>
+              </a:lnSpc>
+              <a:spcBef>
+                <a:spcPts val="0"/>
+              </a:spcBef>
+              <a:buSzTx/>
+              <a:buNone/>
+            </a:pPr>
+            <a:r>
+              <a:rPr lang="en-US" dirty="0"/>
+              <a:t>read -p "network card: " </a:t>
+            </a:r>
+            <a:r>
+              <a:rPr lang="en-US" dirty="0" smtClean="0"/>
+              <a:t>card</a:t>
+            </a:r>
+          </a:p>
+          <a:p>
+            <a:pPr marL="0" lvl="0" indent="0">
+              <a:lnSpc>
+                <a:spcPct val="100000"/>
+              </a:lnSpc>
+              <a:spcBef>
+                <a:spcPts val="0"/>
+              </a:spcBef>
+              <a:buSzTx/>
+              <a:buNone/>
+            </a:pPr>
+            <a:r>
+              <a:rPr lang="en-US" dirty="0" err="1" smtClean="0"/>
+              <a:t>sudo</a:t>
+            </a:r>
+            <a:r>
+              <a:rPr lang="en-US" dirty="0" smtClean="0"/>
+              <a:t> </a:t>
+            </a:r>
+            <a:r>
+              <a:rPr lang="en-US" dirty="0" err="1"/>
+              <a:t>ifconfig</a:t>
+            </a:r>
+            <a:r>
+              <a:rPr lang="en-US" dirty="0"/>
+              <a:t> $card </a:t>
+            </a:r>
+            <a:r>
+              <a:rPr lang="en-US" dirty="0" smtClean="0"/>
+              <a:t>down</a:t>
+            </a:r>
+          </a:p>
+          <a:p>
+            <a:pPr marL="0" lvl="0" indent="0">
+              <a:lnSpc>
+                <a:spcPct val="100000"/>
+              </a:lnSpc>
+              <a:spcBef>
+                <a:spcPts val="0"/>
+              </a:spcBef>
+              <a:buSzTx/>
+              <a:buNone/>
+            </a:pPr>
+            <a:r>
+              <a:rPr lang="en-US" dirty="0" err="1" smtClean="0"/>
+              <a:t>sudo</a:t>
+            </a:r>
+            <a:r>
+              <a:rPr lang="en-US" dirty="0" smtClean="0"/>
+              <a:t> </a:t>
+            </a:r>
+            <a:r>
+              <a:rPr lang="en-US" dirty="0" err="1"/>
+              <a:t>iwconfig</a:t>
+            </a:r>
+            <a:r>
+              <a:rPr lang="en-US" dirty="0"/>
+              <a:t> $card </a:t>
+            </a:r>
+            <a:r>
+              <a:rPr lang="en-US"/>
+              <a:t>mode </a:t>
+            </a:r>
+            <a:r>
+              <a:rPr lang="en-US" smtClean="0"/>
+              <a:t>Managed</a:t>
+            </a:r>
+          </a:p>
+          <a:p>
+            <a:pPr marL="0" lvl="0" indent="0">
+              <a:lnSpc>
+                <a:spcPct val="100000"/>
+              </a:lnSpc>
+              <a:spcBef>
+                <a:spcPts val="0"/>
+              </a:spcBef>
+              <a:buSzTx/>
+              <a:buNone/>
+            </a:pPr>
+            <a:r>
+              <a:rPr lang="en-US" smtClean="0"/>
+              <a:t>sudo</a:t>
+            </a:r>
+            <a:r>
+              <a:rPr lang="en-US" dirty="0" smtClean="0"/>
+              <a:t> </a:t>
+            </a:r>
+            <a:r>
+              <a:rPr lang="en-US" dirty="0" err="1"/>
+              <a:t>ifconfig</a:t>
+            </a:r>
+            <a:r>
+              <a:rPr lang="en-US" dirty="0"/>
+              <a:t> $</a:t>
+            </a:r>
+            <a:r>
+              <a:rPr lang="en-US"/>
+              <a:t>card </a:t>
+            </a:r>
+            <a:r>
+              <a:rPr lang="en-US" smtClean="0"/>
+              <a:t>up</a:t>
+            </a:r>
+          </a:p>
+          <a:p>
+            <a:pPr marL="0" lvl="0" indent="0">
+              <a:lnSpc>
+                <a:spcPct val="100000"/>
+              </a:lnSpc>
+              <a:spcBef>
+                <a:spcPts val="0"/>
+              </a:spcBef>
+              <a:buSzTx/>
+              <a:buNone/>
+            </a:pPr>
+            <a:r>
+              <a:rPr lang="en-US" smtClean="0"/>
+              <a:t>sudo </a:t>
+            </a:r>
+            <a:r>
+              <a:rPr lang="en-US" dirty="0"/>
+              <a:t>service network-manager start</a:t>
+            </a:r>
+          </a:p>
+        </p:txBody>
+      </p:sp>
+    </p:spTree>
+    <p:extLst>
+      <p:ext uri="{BB962C8B-B14F-4D97-AF65-F5344CB8AC3E}">
+        <p14:creationId xmlns:p14="http://schemas.microsoft.com/office/powerpoint/2010/main" val="861443706"/>
+      </p:ext>
+    </p:extLst>
+  </p:cSld>
+  <p:clrMapOvr>
+    <a:masterClrMapping/>
+  </p:clrMapOvr>
+</p:sld>
+</file>
+
 <file path=ppt/theme/theme1.xml><?xml version="1.0" encoding="utf-8"?>
 <a:theme xmlns:a="http://schemas.openxmlformats.org/drawingml/2006/main" name="Circuit">
   <a:themeElements>

--- a/Presentation.pptx
+++ b/Presentation.pptx
@@ -11,6 +11,8 @@
     <p:sldId id="259" r:id="rId5"/>
     <p:sldId id="260" r:id="rId6"/>
     <p:sldId id="261" r:id="rId7"/>
+    <p:sldId id="262" r:id="rId8"/>
+    <p:sldId id="263" r:id="rId9"/>
   </p:sldIdLst>
   <p:sldSz cx="12192000" cy="6858000"/>
   <p:notesSz cx="6858000" cy="9144000"/>
@@ -13107,14 +13109,10 @@
             </a:r>
             <a:r>
               <a:rPr lang="en-US" dirty="0"/>
-              <a:t> $card </a:t>
-            </a:r>
-            <a:r>
-              <a:rPr lang="en-US"/>
-              <a:t>mode </a:t>
-            </a:r>
-            <a:r>
-              <a:rPr lang="en-US" smtClean="0"/>
+              <a:t> $card mode </a:t>
+            </a:r>
+            <a:r>
+              <a:rPr lang="en-US" dirty="0" smtClean="0"/>
               <a:t>Managed</a:t>
             </a:r>
           </a:p>
@@ -13130,7 +13128,7 @@
               <a:buNone/>
             </a:pPr>
             <a:r>
-              <a:rPr lang="en-US" smtClean="0"/>
+              <a:rPr lang="en-US" dirty="0" err="1" smtClean="0"/>
               <a:t>sudo</a:t>
             </a:r>
             <a:r>
@@ -13143,14 +13141,10 @@
             </a:r>
             <a:r>
               <a:rPr lang="en-US" dirty="0"/>
-              <a:t> $</a:t>
-            </a:r>
-            <a:r>
-              <a:rPr lang="en-US"/>
-              <a:t>card </a:t>
-            </a:r>
-            <a:r>
-              <a:rPr lang="en-US" smtClean="0"/>
+              <a:t> $card </a:t>
+            </a:r>
+            <a:r>
+              <a:rPr lang="en-US" dirty="0" smtClean="0"/>
               <a:t>up</a:t>
             </a:r>
           </a:p>
@@ -13166,8 +13160,12 @@
               <a:buNone/>
             </a:pPr>
             <a:r>
-              <a:rPr lang="en-US" smtClean="0"/>
-              <a:t>sudo </a:t>
+              <a:rPr lang="en-US" dirty="0" err="1" smtClean="0"/>
+              <a:t>sudo</a:t>
+            </a:r>
+            <a:r>
+              <a:rPr lang="en-US" dirty="0" smtClean="0"/>
+              <a:t> </a:t>
             </a:r>
             <a:r>
               <a:rPr lang="en-US" dirty="0"/>
@@ -13180,6 +13178,146 @@
     <p:extLst>
       <p:ext uri="{BB962C8B-B14F-4D97-AF65-F5344CB8AC3E}">
         <p14:creationId xmlns:p14="http://schemas.microsoft.com/office/powerpoint/2010/main" val="861443706"/>
+      </p:ext>
+    </p:extLst>
+  </p:cSld>
+  <p:clrMapOvr>
+    <a:masterClrMapping/>
+  </p:clrMapOvr>
+</p:sld>
+</file>
+
+<file path=ppt/slides/slide7.xml><?xml version="1.0" encoding="utf-8"?>
+<p:sld xmlns:a="http://schemas.openxmlformats.org/drawingml/2006/main" xmlns:r="http://schemas.openxmlformats.org/officeDocument/2006/relationships" xmlns:p="http://schemas.openxmlformats.org/presentationml/2006/main">
+  <p:cSld>
+    <p:spTree>
+      <p:nvGrpSpPr>
+        <p:cNvPr id="1" name=""/>
+        <p:cNvGrpSpPr/>
+        <p:nvPr/>
+      </p:nvGrpSpPr>
+      <p:grpSpPr>
+        <a:xfrm>
+          <a:off x="0" y="0"/>
+          <a:ext cx="0" cy="0"/>
+          <a:chOff x="0" y="0"/>
+          <a:chExt cx="0" cy="0"/>
+        </a:xfrm>
+      </p:grpSpPr>
+      <p:sp>
+        <p:nvSpPr>
+          <p:cNvPr id="2" name="Title 1"/>
+          <p:cNvSpPr>
+            <a:spLocks noGrp="1"/>
+          </p:cNvSpPr>
+          <p:nvPr>
+            <p:ph type="title"/>
+          </p:nvPr>
+        </p:nvSpPr>
+        <p:spPr/>
+        <p:txBody>
+          <a:bodyPr/>
+          <a:lstStyle/>
+          <a:p>
+            <a:r>
+              <a:rPr lang="en-US" dirty="0" smtClean="0"/>
+              <a:t>Testing site: James Madison park</a:t>
+            </a:r>
+            <a:endParaRPr lang="en-US" dirty="0"/>
+          </a:p>
+        </p:txBody>
+      </p:sp>
+      <p:sp>
+        <p:nvSpPr>
+          <p:cNvPr id="3" name="Content Placeholder 2"/>
+          <p:cNvSpPr>
+            <a:spLocks noGrp="1"/>
+          </p:cNvSpPr>
+          <p:nvPr>
+            <p:ph idx="1"/>
+          </p:nvPr>
+        </p:nvSpPr>
+        <p:spPr/>
+        <p:txBody>
+          <a:bodyPr/>
+          <a:lstStyle/>
+          <a:p>
+            <a:endParaRPr lang="en-US" dirty="0"/>
+          </a:p>
+        </p:txBody>
+      </p:sp>
+    </p:spTree>
+    <p:extLst>
+      <p:ext uri="{BB962C8B-B14F-4D97-AF65-F5344CB8AC3E}">
+        <p14:creationId xmlns:p14="http://schemas.microsoft.com/office/powerpoint/2010/main" val="539316690"/>
+      </p:ext>
+    </p:extLst>
+  </p:cSld>
+  <p:clrMapOvr>
+    <a:masterClrMapping/>
+  </p:clrMapOvr>
+</p:sld>
+</file>
+
+<file path=ppt/slides/slide8.xml><?xml version="1.0" encoding="utf-8"?>
+<p:sld xmlns:a="http://schemas.openxmlformats.org/drawingml/2006/main" xmlns:r="http://schemas.openxmlformats.org/officeDocument/2006/relationships" xmlns:p="http://schemas.openxmlformats.org/presentationml/2006/main">
+  <p:cSld>
+    <p:spTree>
+      <p:nvGrpSpPr>
+        <p:cNvPr id="1" name=""/>
+        <p:cNvGrpSpPr/>
+        <p:nvPr/>
+      </p:nvGrpSpPr>
+      <p:grpSpPr>
+        <a:xfrm>
+          <a:off x="0" y="0"/>
+          <a:ext cx="0" cy="0"/>
+          <a:chOff x="0" y="0"/>
+          <a:chExt cx="0" cy="0"/>
+        </a:xfrm>
+      </p:grpSpPr>
+      <p:sp>
+        <p:nvSpPr>
+          <p:cNvPr id="2" name="Title 1"/>
+          <p:cNvSpPr>
+            <a:spLocks noGrp="1"/>
+          </p:cNvSpPr>
+          <p:nvPr>
+            <p:ph type="title"/>
+          </p:nvPr>
+        </p:nvSpPr>
+        <p:spPr/>
+        <p:txBody>
+          <a:bodyPr/>
+          <a:lstStyle/>
+          <a:p>
+            <a:endParaRPr lang="en-US"/>
+          </a:p>
+        </p:txBody>
+      </p:sp>
+      <p:sp>
+        <p:nvSpPr>
+          <p:cNvPr id="3" name="Content Placeholder 2"/>
+          <p:cNvSpPr>
+            <a:spLocks noGrp="1"/>
+          </p:cNvSpPr>
+          <p:nvPr>
+            <p:ph idx="1"/>
+          </p:nvPr>
+        </p:nvSpPr>
+        <p:spPr/>
+        <p:txBody>
+          <a:bodyPr/>
+          <a:lstStyle/>
+          <a:p>
+            <a:endParaRPr lang="en-US"/>
+          </a:p>
+        </p:txBody>
+      </p:sp>
+    </p:spTree>
+    <p:extLst>
+      <p:ext uri="{BB962C8B-B14F-4D97-AF65-F5344CB8AC3E}">
+        <p14:creationId xmlns:p14="http://schemas.microsoft.com/office/powerpoint/2010/main" val="1107022904"/>
       </p:ext>
     </p:extLst>
   </p:cSld>
